--- a/laravelAPI.pptx
+++ b/laravelAPI.pptx
@@ -8532,13 +8532,43 @@
           <a:lstStyle/>
           <a:p>
             <a:r>
-              <a:rPr lang="en-US"/>
-              <a:t>.</a:t>
-            </a:r>
-            <a:endParaRPr lang="ru-RU"/>
-          </a:p>
-        </p:txBody>
-      </p:sp>
+              <a:rPr lang="az-Latn-AZ"/>
+              <a:t>Tətbiqi işlədikcə yavaş-yavaş gitə yükləyəcəm. Sizdə belə edə bilərsiniz.</a:t>
+            </a:r>
+            <a:endParaRPr lang="ru-RU"/>
+          </a:p>
+        </p:txBody>
+      </p:sp>
+      <p:pic>
+        <p:nvPicPr>
+          <p:cNvPr id="3" name="Picture 2">
+            <a:extLst>
+              <a:ext uri="{FF2B5EF4-FFF2-40B4-BE49-F238E27FC236}">
+                <a16:creationId xmlns:a16="http://schemas.microsoft.com/office/drawing/2014/main" id="{84D757F3-590F-E291-A676-F4814CBB1C81}"/>
+              </a:ext>
+            </a:extLst>
+          </p:cNvPr>
+          <p:cNvPicPr>
+            <a:picLocks noChangeAspect="1"/>
+          </p:cNvPicPr>
+          <p:nvPr/>
+        </p:nvPicPr>
+        <p:blipFill>
+          <a:blip r:embed="rId2"/>
+          <a:stretch>
+            <a:fillRect/>
+          </a:stretch>
+        </p:blipFill>
+        <p:spPr>
+          <a:xfrm>
+            <a:off x="6811814" y="1294918"/>
+            <a:ext cx="5380186" cy="5563082"/>
+          </a:xfrm>
+          <a:prstGeom prst="rect">
+            <a:avLst/>
+          </a:prstGeom>
+        </p:spPr>
+      </p:pic>
     </p:spTree>
     <p:extLst>
       <p:ext uri="{BB962C8B-B14F-4D97-AF65-F5344CB8AC3E}">
@@ -8584,7 +8614,7 @@
         <p:spPr>
           <a:xfrm>
             <a:off x="0" y="0"/>
-            <a:ext cx="12192000" cy="369332"/>
+            <a:ext cx="12192000" cy="923330"/>
           </a:xfrm>
           <a:prstGeom prst="rect">
             <a:avLst/>
@@ -8599,12 +8629,85 @@
           <a:p>
             <a:r>
               <a:rPr lang="en-US"/>
-              <a:t>.</a:t>
-            </a:r>
-            <a:endParaRPr lang="ru-RU"/>
-          </a:p>
-        </p:txBody>
-      </p:sp>
+              <a:t>Laravel </a:t>
+            </a:r>
+            <a:r>
+              <a:rPr lang="az-Latn-AZ"/>
+              <a:t>–dəki ilk sadəc APİ routumuzu yazırıq.</a:t>
+            </a:r>
+          </a:p>
+          <a:p>
+            <a:endParaRPr lang="az-Latn-AZ"/>
+          </a:p>
+          <a:p>
+            <a:r>
+              <a:rPr lang="az-Latn-AZ"/>
+              <a:t>Bu route bizə sadə JSON qaytaracaq.</a:t>
+            </a:r>
+            <a:endParaRPr lang="ru-RU"/>
+          </a:p>
+        </p:txBody>
+      </p:sp>
+      <p:pic>
+        <p:nvPicPr>
+          <p:cNvPr id="3" name="Picture 2">
+            <a:extLst>
+              <a:ext uri="{FF2B5EF4-FFF2-40B4-BE49-F238E27FC236}">
+                <a16:creationId xmlns:a16="http://schemas.microsoft.com/office/drawing/2014/main" id="{5CAEAC97-04C1-44D8-7E2F-6C23FC34C5E3}"/>
+              </a:ext>
+            </a:extLst>
+          </p:cNvPr>
+          <p:cNvPicPr>
+            <a:picLocks noChangeAspect="1"/>
+          </p:cNvPicPr>
+          <p:nvPr/>
+        </p:nvPicPr>
+        <p:blipFill>
+          <a:blip r:embed="rId2"/>
+          <a:stretch>
+            <a:fillRect/>
+          </a:stretch>
+        </p:blipFill>
+        <p:spPr>
+          <a:xfrm>
+            <a:off x="5351473" y="0"/>
+            <a:ext cx="6840527" cy="5403195"/>
+          </a:xfrm>
+          <a:prstGeom prst="rect">
+            <a:avLst/>
+          </a:prstGeom>
+        </p:spPr>
+      </p:pic>
+      <p:pic>
+        <p:nvPicPr>
+          <p:cNvPr id="6" name="Picture 5">
+            <a:extLst>
+              <a:ext uri="{FF2B5EF4-FFF2-40B4-BE49-F238E27FC236}">
+                <a16:creationId xmlns:a16="http://schemas.microsoft.com/office/drawing/2014/main" id="{4670A96A-13D6-5992-1D4D-457E75F30F12}"/>
+              </a:ext>
+            </a:extLst>
+          </p:cNvPr>
+          <p:cNvPicPr>
+            <a:picLocks noChangeAspect="1"/>
+          </p:cNvPicPr>
+          <p:nvPr/>
+        </p:nvPicPr>
+        <p:blipFill>
+          <a:blip r:embed="rId3"/>
+          <a:stretch>
+            <a:fillRect/>
+          </a:stretch>
+        </p:blipFill>
+        <p:spPr>
+          <a:xfrm>
+            <a:off x="0" y="988829"/>
+            <a:ext cx="3688400" cy="1493649"/>
+          </a:xfrm>
+          <a:prstGeom prst="rect">
+            <a:avLst/>
+          </a:prstGeom>
+        </p:spPr>
+      </p:pic>
     </p:spTree>
     <p:extLst>
       <p:ext uri="{BB962C8B-B14F-4D97-AF65-F5344CB8AC3E}">
@@ -8650,7 +8753,7 @@
         <p:spPr>
           <a:xfrm>
             <a:off x="0" y="0"/>
-            <a:ext cx="12192000" cy="369332"/>
+            <a:ext cx="12192000" cy="3139321"/>
           </a:xfrm>
           <a:prstGeom prst="rect">
             <a:avLst/>
@@ -8665,12 +8768,122 @@
           <a:p>
             <a:r>
               <a:rPr lang="en-US"/>
-              <a:t>.</a:t>
-            </a:r>
-            <a:endParaRPr lang="ru-RU"/>
-          </a:p>
-        </p:txBody>
-      </p:sp>
+              <a:t>Bu əmr Laravel tətbiqinin daxilində </a:t>
+            </a:r>
+            <a:r>
+              <a:rPr lang="en-US" b="1"/>
+              <a:t>interaktiv PHP konsolu açır</a:t>
+            </a:r>
+            <a:r>
+              <a:rPr lang="en-US"/>
+              <a:t> və model, database, helper və digər Laravel funksiyalarını </a:t>
+            </a:r>
+            <a:r>
+              <a:rPr lang="en-US" b="1"/>
+              <a:t>birbaşa test etmək</a:t>
+            </a:r>
+            <a:r>
+              <a:rPr lang="en-US"/>
+              <a:t> üçün istifadə olunur.</a:t>
+            </a:r>
+          </a:p>
+          <a:p>
+            <a:endParaRPr lang="en-US"/>
+          </a:p>
+          <a:p>
+            <a:endParaRPr lang="en-US"/>
+          </a:p>
+          <a:p>
+            <a:endParaRPr lang="en-US"/>
+          </a:p>
+          <a:p>
+            <a:endParaRPr lang="en-US"/>
+          </a:p>
+          <a:p>
+            <a:endParaRPr lang="en-US"/>
+          </a:p>
+          <a:p>
+            <a:endParaRPr lang="en-US"/>
+          </a:p>
+          <a:p>
+            <a:endParaRPr lang="en-US"/>
+          </a:p>
+          <a:p>
+            <a:endParaRPr lang="en-US"/>
+          </a:p>
+          <a:p>
+            <a:r>
+              <a:rPr lang="en-US"/>
+              <a:t>Burada </a:t>
+            </a:r>
+            <a:r>
+              <a:rPr lang="az-Latn-AZ"/>
+              <a:t>istənilən php vs Laravel əmrlərini yaza bilərsiz.</a:t>
+            </a:r>
+            <a:endParaRPr lang="ru-RU"/>
+          </a:p>
+        </p:txBody>
+      </p:sp>
+      <p:pic>
+        <p:nvPicPr>
+          <p:cNvPr id="3" name="Picture 2">
+            <a:extLst>
+              <a:ext uri="{FF2B5EF4-FFF2-40B4-BE49-F238E27FC236}">
+                <a16:creationId xmlns:a16="http://schemas.microsoft.com/office/drawing/2014/main" id="{F6F9DBBB-C110-FC13-A273-9EBCB5CABA7A}"/>
+              </a:ext>
+            </a:extLst>
+          </p:cNvPr>
+          <p:cNvPicPr>
+            <a:picLocks noChangeAspect="1"/>
+          </p:cNvPicPr>
+          <p:nvPr/>
+        </p:nvPicPr>
+        <p:blipFill>
+          <a:blip r:embed="rId2"/>
+          <a:stretch>
+            <a:fillRect/>
+          </a:stretch>
+        </p:blipFill>
+        <p:spPr>
+          <a:xfrm>
+            <a:off x="0" y="769550"/>
+            <a:ext cx="6721422" cy="1600339"/>
+          </a:xfrm>
+          <a:prstGeom prst="rect">
+            <a:avLst/>
+          </a:prstGeom>
+        </p:spPr>
+      </p:pic>
+      <p:pic>
+        <p:nvPicPr>
+          <p:cNvPr id="6" name="Picture 5">
+            <a:extLst>
+              <a:ext uri="{FF2B5EF4-FFF2-40B4-BE49-F238E27FC236}">
+                <a16:creationId xmlns:a16="http://schemas.microsoft.com/office/drawing/2014/main" id="{26D4048B-9EB5-6370-408D-86FD5B738F58}"/>
+              </a:ext>
+            </a:extLst>
+          </p:cNvPr>
+          <p:cNvPicPr>
+            <a:picLocks noChangeAspect="1"/>
+          </p:cNvPicPr>
+          <p:nvPr/>
+        </p:nvPicPr>
+        <p:blipFill>
+          <a:blip r:embed="rId3"/>
+          <a:stretch>
+            <a:fillRect/>
+          </a:stretch>
+        </p:blipFill>
+        <p:spPr>
+          <a:xfrm>
+            <a:off x="0" y="3139321"/>
+            <a:ext cx="6066046" cy="1943268"/>
+          </a:xfrm>
+          <a:prstGeom prst="rect">
+            <a:avLst/>
+          </a:prstGeom>
+        </p:spPr>
+      </p:pic>
     </p:spTree>
     <p:extLst>
       <p:ext uri="{BB962C8B-B14F-4D97-AF65-F5344CB8AC3E}">
@@ -8716,7 +8929,7 @@
         <p:spPr>
           <a:xfrm>
             <a:off x="0" y="0"/>
-            <a:ext cx="12192000" cy="369332"/>
+            <a:ext cx="12192000" cy="3416320"/>
           </a:xfrm>
           <a:prstGeom prst="rect">
             <a:avLst/>
@@ -8730,13 +8943,140 @@
           <a:lstStyle/>
           <a:p>
             <a:r>
-              <a:rPr lang="en-US"/>
-              <a:t>.</a:t>
-            </a:r>
-            <a:endParaRPr lang="ru-RU"/>
-          </a:p>
-        </p:txBody>
-      </p:sp>
+              <a:rPr lang="az-Latn-AZ"/>
+              <a:t>Ən çox istifadə olunma məqsədlərindən biri isə DB-sə müraciət etmək üçündür. </a:t>
+            </a:r>
+          </a:p>
+          <a:p>
+            <a:endParaRPr lang="az-Latn-AZ"/>
+          </a:p>
+          <a:p>
+            <a:r>
+              <a:rPr lang="az-Latn-AZ"/>
+              <a:t>Məsələn User::all() yazdıqda bu klasın hansı modelin aliası olduğunu öyrənirik. Ancaq həmdə xəta aldıq çünki hal-hazırda bir DB yoxdur və cədvəlləri migrate etməmişik.</a:t>
+            </a:r>
+            <a:endParaRPr lang="en-US"/>
+          </a:p>
+          <a:p>
+            <a:endParaRPr lang="en-US"/>
+          </a:p>
+          <a:p>
+            <a:endParaRPr lang="en-US"/>
+          </a:p>
+          <a:p>
+            <a:endParaRPr lang="en-US"/>
+          </a:p>
+          <a:p>
+            <a:endParaRPr lang="en-US"/>
+          </a:p>
+          <a:p>
+            <a:endParaRPr lang="en-US"/>
+          </a:p>
+          <a:p>
+            <a:endParaRPr lang="en-US"/>
+          </a:p>
+          <a:p>
+            <a:endParaRPr lang="en-US"/>
+          </a:p>
+          <a:p>
+            <a:r>
+              <a:rPr lang="en-US"/>
+              <a:t>DB yaradaq.</a:t>
+            </a:r>
+            <a:endParaRPr lang="ru-RU"/>
+          </a:p>
+        </p:txBody>
+      </p:sp>
+      <p:pic>
+        <p:nvPicPr>
+          <p:cNvPr id="3" name="Picture 2">
+            <a:extLst>
+              <a:ext uri="{FF2B5EF4-FFF2-40B4-BE49-F238E27FC236}">
+                <a16:creationId xmlns:a16="http://schemas.microsoft.com/office/drawing/2014/main" id="{9E93E46B-F624-7DEB-27DC-3BAFD1A180D5}"/>
+              </a:ext>
+            </a:extLst>
+          </p:cNvPr>
+          <p:cNvPicPr>
+            <a:picLocks noChangeAspect="1"/>
+          </p:cNvPicPr>
+          <p:nvPr/>
+        </p:nvPicPr>
+        <p:blipFill>
+          <a:blip r:embed="rId2"/>
+          <a:stretch>
+            <a:fillRect/>
+          </a:stretch>
+        </p:blipFill>
+        <p:spPr>
+          <a:xfrm>
+            <a:off x="0" y="1200329"/>
+            <a:ext cx="11370025" cy="1371719"/>
+          </a:xfrm>
+          <a:prstGeom prst="rect">
+            <a:avLst/>
+          </a:prstGeom>
+        </p:spPr>
+      </p:pic>
+      <p:pic>
+        <p:nvPicPr>
+          <p:cNvPr id="8" name="Picture 7">
+            <a:extLst>
+              <a:ext uri="{FF2B5EF4-FFF2-40B4-BE49-F238E27FC236}">
+                <a16:creationId xmlns:a16="http://schemas.microsoft.com/office/drawing/2014/main" id="{C5228BA8-D4B2-7D70-934D-9A89552C2AF7}"/>
+              </a:ext>
+            </a:extLst>
+          </p:cNvPr>
+          <p:cNvPicPr>
+            <a:picLocks noChangeAspect="1"/>
+          </p:cNvPicPr>
+          <p:nvPr/>
+        </p:nvPicPr>
+        <p:blipFill>
+          <a:blip r:embed="rId3"/>
+          <a:stretch>
+            <a:fillRect/>
+          </a:stretch>
+        </p:blipFill>
+        <p:spPr>
+          <a:xfrm>
+            <a:off x="40640" y="3481836"/>
+            <a:ext cx="8219965" cy="3305044"/>
+          </a:xfrm>
+          <a:prstGeom prst="rect">
+            <a:avLst/>
+          </a:prstGeom>
+          <a:solidFill>
+            <a:srgbClr val="FFFFFF">
+              <a:shade val="85000"/>
+            </a:srgbClr>
+          </a:solidFill>
+          <a:ln w="88900" cap="sq">
+            <a:solidFill>
+              <a:srgbClr val="FFFFFF"/>
+            </a:solidFill>
+            <a:miter lim="800000"/>
+          </a:ln>
+          <a:effectLst>
+            <a:outerShdw blurRad="55000" dist="18000" dir="5400000" algn="tl" rotWithShape="0">
+              <a:srgbClr val="000000">
+                <a:alpha val="40000"/>
+              </a:srgbClr>
+            </a:outerShdw>
+          </a:effectLst>
+          <a:scene3d>
+            <a:camera prst="orthographicFront"/>
+            <a:lightRig rig="twoPt" dir="t">
+              <a:rot lat="0" lon="0" rev="7200000"/>
+            </a:lightRig>
+          </a:scene3d>
+          <a:sp3d>
+            <a:bevelT w="25400" h="19050"/>
+            <a:contourClr>
+              <a:srgbClr val="FFFFFF"/>
+            </a:contourClr>
+          </a:sp3d>
+        </p:spPr>
+      </p:pic>
     </p:spTree>
     <p:extLst>
       <p:ext uri="{BB962C8B-B14F-4D97-AF65-F5344CB8AC3E}">
@@ -8782,7 +9122,7 @@
         <p:spPr>
           <a:xfrm>
             <a:off x="0" y="0"/>
-            <a:ext cx="12192000" cy="369332"/>
+            <a:ext cx="12192000" cy="923330"/>
           </a:xfrm>
           <a:prstGeom prst="rect">
             <a:avLst/>
@@ -8797,12 +9137,55 @@
           <a:p>
             <a:r>
               <a:rPr lang="en-US"/>
-              <a:t>.</a:t>
-            </a:r>
-            <a:endParaRPr lang="ru-RU"/>
-          </a:p>
-        </p:txBody>
-      </p:sp>
+              <a:t>.env </a:t>
+            </a:r>
+            <a:r>
+              <a:rPr lang="az-Latn-AZ"/>
+              <a:t> faylında DB adı default olaraq qeyd edilibdir. </a:t>
+            </a:r>
+          </a:p>
+          <a:p>
+            <a:endParaRPr lang="az-Latn-AZ"/>
+          </a:p>
+          <a:p>
+            <a:r>
+              <a:rPr lang="az-Latn-AZ"/>
+              <a:t>İstəsəniz dəyişdirə bilərsiz.</a:t>
+            </a:r>
+            <a:endParaRPr lang="ru-RU"/>
+          </a:p>
+        </p:txBody>
+      </p:sp>
+      <p:pic>
+        <p:nvPicPr>
+          <p:cNvPr id="3" name="Picture 2">
+            <a:extLst>
+              <a:ext uri="{FF2B5EF4-FFF2-40B4-BE49-F238E27FC236}">
+                <a16:creationId xmlns:a16="http://schemas.microsoft.com/office/drawing/2014/main" id="{F1EA6002-29D1-315A-1143-423CAAB99166}"/>
+              </a:ext>
+            </a:extLst>
+          </p:cNvPr>
+          <p:cNvPicPr>
+            <a:picLocks noChangeAspect="1"/>
+          </p:cNvPicPr>
+          <p:nvPr/>
+        </p:nvPicPr>
+        <p:blipFill>
+          <a:blip r:embed="rId2"/>
+          <a:stretch>
+            <a:fillRect/>
+          </a:stretch>
+        </p:blipFill>
+        <p:spPr>
+          <a:xfrm>
+            <a:off x="6904749" y="0"/>
+            <a:ext cx="5287251" cy="6858000"/>
+          </a:xfrm>
+          <a:prstGeom prst="rect">
+            <a:avLst/>
+          </a:prstGeom>
+        </p:spPr>
+      </p:pic>
     </p:spTree>
     <p:extLst>
       <p:ext uri="{BB962C8B-B14F-4D97-AF65-F5344CB8AC3E}">
@@ -8869,6 +9252,36 @@
           </a:p>
         </p:txBody>
       </p:sp>
+      <p:pic>
+        <p:nvPicPr>
+          <p:cNvPr id="3" name="Picture 2">
+            <a:extLst>
+              <a:ext uri="{FF2B5EF4-FFF2-40B4-BE49-F238E27FC236}">
+                <a16:creationId xmlns:a16="http://schemas.microsoft.com/office/drawing/2014/main" id="{E486112A-A248-7C49-0429-052B27642309}"/>
+              </a:ext>
+            </a:extLst>
+          </p:cNvPr>
+          <p:cNvPicPr>
+            <a:picLocks noChangeAspect="1"/>
+          </p:cNvPicPr>
+          <p:nvPr/>
+        </p:nvPicPr>
+        <p:blipFill>
+          <a:blip r:embed="rId2"/>
+          <a:stretch>
+            <a:fillRect/>
+          </a:stretch>
+        </p:blipFill>
+        <p:spPr>
+          <a:xfrm>
+            <a:off x="56626" y="1935350"/>
+            <a:ext cx="12078747" cy="2987299"/>
+          </a:xfrm>
+          <a:prstGeom prst="rect">
+            <a:avLst/>
+          </a:prstGeom>
+        </p:spPr>
+      </p:pic>
     </p:spTree>
     <p:extLst>
       <p:ext uri="{BB962C8B-B14F-4D97-AF65-F5344CB8AC3E}">
@@ -8929,12 +9342,54 @@
           <a:p>
             <a:r>
               <a:rPr lang="en-US"/>
-              <a:t>.</a:t>
-            </a:r>
-            <a:endParaRPr lang="ru-RU"/>
-          </a:p>
-        </p:txBody>
-      </p:sp>
+              <a:t>Indi DB –z</a:t>
+            </a:r>
+            <a:r>
+              <a:rPr lang="az-Latn-AZ"/>
+              <a:t>ə yeni bir User əlavə edə</a:t>
+            </a:r>
+            <a:r>
+              <a:rPr lang="en-US"/>
+              <a:t> </a:t>
+            </a:r>
+            <a:r>
+              <a:rPr lang="az-Latn-AZ"/>
+              <a:t>bilərik.</a:t>
+            </a:r>
+            <a:endParaRPr lang="ru-RU"/>
+          </a:p>
+        </p:txBody>
+      </p:sp>
+      <p:pic>
+        <p:nvPicPr>
+          <p:cNvPr id="3" name="Picture 2">
+            <a:extLst>
+              <a:ext uri="{FF2B5EF4-FFF2-40B4-BE49-F238E27FC236}">
+                <a16:creationId xmlns:a16="http://schemas.microsoft.com/office/drawing/2014/main" id="{490C3B63-4014-D487-701A-772B8A5A86DF}"/>
+              </a:ext>
+            </a:extLst>
+          </p:cNvPr>
+          <p:cNvPicPr>
+            <a:picLocks noChangeAspect="1"/>
+          </p:cNvPicPr>
+          <p:nvPr/>
+        </p:nvPicPr>
+        <p:blipFill>
+          <a:blip r:embed="rId2"/>
+          <a:stretch>
+            <a:fillRect/>
+          </a:stretch>
+        </p:blipFill>
+        <p:spPr>
+          <a:xfrm>
+            <a:off x="6423160" y="1348263"/>
+            <a:ext cx="5768840" cy="5509737"/>
+          </a:xfrm>
+          <a:prstGeom prst="rect">
+            <a:avLst/>
+          </a:prstGeom>
+        </p:spPr>
+      </p:pic>
     </p:spTree>
     <p:extLst>
       <p:ext uri="{BB962C8B-B14F-4D97-AF65-F5344CB8AC3E}">
@@ -8994,13 +9449,43 @@
           <a:lstStyle/>
           <a:p>
             <a:r>
-              <a:rPr lang="en-US"/>
-              <a:t>.</a:t>
-            </a:r>
-            <a:endParaRPr lang="ru-RU"/>
-          </a:p>
-        </p:txBody>
-      </p:sp>
+              <a:rPr lang="az-Latn-AZ"/>
+              <a:t>Yaxud mövcud istifadəçini Update edə bilərik və.s</a:t>
+            </a:r>
+            <a:endParaRPr lang="ru-RU"/>
+          </a:p>
+        </p:txBody>
+      </p:sp>
+      <p:pic>
+        <p:nvPicPr>
+          <p:cNvPr id="3" name="Picture 2">
+            <a:extLst>
+              <a:ext uri="{FF2B5EF4-FFF2-40B4-BE49-F238E27FC236}">
+                <a16:creationId xmlns:a16="http://schemas.microsoft.com/office/drawing/2014/main" id="{DECAACE0-F481-5BFD-CA91-D8E27CFE5C22}"/>
+              </a:ext>
+            </a:extLst>
+          </p:cNvPr>
+          <p:cNvPicPr>
+            <a:picLocks noChangeAspect="1"/>
+          </p:cNvPicPr>
+          <p:nvPr/>
+        </p:nvPicPr>
+        <p:blipFill>
+          <a:blip r:embed="rId2"/>
+          <a:stretch>
+            <a:fillRect/>
+          </a:stretch>
+        </p:blipFill>
+        <p:spPr>
+          <a:xfrm>
+            <a:off x="6606056" y="1554020"/>
+            <a:ext cx="5585944" cy="5303980"/>
+          </a:xfrm>
+          <a:prstGeom prst="rect">
+            <a:avLst/>
+          </a:prstGeom>
+        </p:spPr>
+      </p:pic>
     </p:spTree>
     <p:extLst>
       <p:ext uri="{BB962C8B-B14F-4D97-AF65-F5344CB8AC3E}">
@@ -9060,13 +9545,73 @@
           <a:lstStyle/>
           <a:p>
             <a:r>
-              <a:rPr lang="en-US"/>
-              <a:t>.</a:t>
-            </a:r>
-            <a:endParaRPr lang="ru-RU"/>
-          </a:p>
-        </p:txBody>
-      </p:sp>
+              <a:rPr lang="az-Latn-AZ"/>
+              <a:t>Nəticə.</a:t>
+            </a:r>
+            <a:endParaRPr lang="ru-RU"/>
+          </a:p>
+        </p:txBody>
+      </p:sp>
+      <p:pic>
+        <p:nvPicPr>
+          <p:cNvPr id="3" name="Picture 2">
+            <a:extLst>
+              <a:ext uri="{FF2B5EF4-FFF2-40B4-BE49-F238E27FC236}">
+                <a16:creationId xmlns:a16="http://schemas.microsoft.com/office/drawing/2014/main" id="{35C81365-35D5-7C3D-20E0-5FBE7386E855}"/>
+              </a:ext>
+            </a:extLst>
+          </p:cNvPr>
+          <p:cNvPicPr>
+            <a:picLocks noChangeAspect="1"/>
+          </p:cNvPicPr>
+          <p:nvPr/>
+        </p:nvPicPr>
+        <p:blipFill>
+          <a:blip r:embed="rId2"/>
+          <a:stretch>
+            <a:fillRect/>
+          </a:stretch>
+        </p:blipFill>
+        <p:spPr>
+          <a:xfrm>
+            <a:off x="18523" y="1687679"/>
+            <a:ext cx="12154953" cy="3482642"/>
+          </a:xfrm>
+          <a:prstGeom prst="rect">
+            <a:avLst/>
+          </a:prstGeom>
+          <a:solidFill>
+            <a:srgbClr val="FFFFFF">
+              <a:shade val="85000"/>
+            </a:srgbClr>
+          </a:solidFill>
+          <a:ln w="88900" cap="sq">
+            <a:solidFill>
+              <a:srgbClr val="FFFFFF"/>
+            </a:solidFill>
+            <a:miter lim="800000"/>
+          </a:ln>
+          <a:effectLst>
+            <a:outerShdw blurRad="55000" dist="18000" dir="5400000" algn="tl" rotWithShape="0">
+              <a:srgbClr val="000000">
+                <a:alpha val="40000"/>
+              </a:srgbClr>
+            </a:outerShdw>
+          </a:effectLst>
+          <a:scene3d>
+            <a:camera prst="orthographicFront"/>
+            <a:lightRig rig="twoPt" dir="t">
+              <a:rot lat="0" lon="0" rev="7200000"/>
+            </a:lightRig>
+          </a:scene3d>
+          <a:sp3d>
+            <a:bevelT w="25400" h="19050"/>
+            <a:contourClr>
+              <a:srgbClr val="FFFFFF"/>
+            </a:contourClr>
+          </a:sp3d>
+        </p:spPr>
+      </p:pic>
     </p:spTree>
     <p:extLst>
       <p:ext uri="{BB962C8B-B14F-4D97-AF65-F5344CB8AC3E}">

--- a/laravelAPI.pptx
+++ b/laravelAPI.pptx
@@ -9950,7 +9950,7 @@
         <p:spPr>
           <a:xfrm>
             <a:off x="0" y="0"/>
-            <a:ext cx="12192000" cy="369332"/>
+            <a:ext cx="12192000" cy="923330"/>
           </a:xfrm>
           <a:prstGeom prst="rect">
             <a:avLst/>
@@ -9965,12 +9965,55 @@
           <a:p>
             <a:r>
               <a:rPr lang="en-US"/>
-              <a:t>.</a:t>
-            </a:r>
-            <a:endParaRPr lang="ru-RU"/>
-          </a:p>
-        </p:txBody>
-      </p:sp>
+              <a:t>Postman </a:t>
+            </a:r>
+            <a:r>
+              <a:rPr lang="az-Latn-AZ"/>
+              <a:t>proqramını quraşdırın və apilərin işləyib işləmədiyini test edin. </a:t>
+            </a:r>
+          </a:p>
+          <a:p>
+            <a:endParaRPr lang="az-Latn-AZ"/>
+          </a:p>
+          <a:p>
+            <a:r>
+              <a:rPr lang="az-Latn-AZ"/>
+              <a:t>Header başlıqlarını yazmağı unutmayın.</a:t>
+            </a:r>
+            <a:endParaRPr lang="ru-RU"/>
+          </a:p>
+        </p:txBody>
+      </p:sp>
+      <p:pic>
+        <p:nvPicPr>
+          <p:cNvPr id="3" name="Picture 2">
+            <a:extLst>
+              <a:ext uri="{FF2B5EF4-FFF2-40B4-BE49-F238E27FC236}">
+                <a16:creationId xmlns:a16="http://schemas.microsoft.com/office/drawing/2014/main" id="{C19184DA-E78F-0487-875B-E80DEACA2ECA}"/>
+              </a:ext>
+            </a:extLst>
+          </p:cNvPr>
+          <p:cNvPicPr>
+            <a:picLocks noChangeAspect="1"/>
+          </p:cNvPicPr>
+          <p:nvPr/>
+        </p:nvPicPr>
+        <p:blipFill>
+          <a:blip r:embed="rId2"/>
+          <a:stretch>
+            <a:fillRect/>
+          </a:stretch>
+        </p:blipFill>
+        <p:spPr>
+          <a:xfrm>
+            <a:off x="0" y="1189022"/>
+            <a:ext cx="12192000" cy="5668978"/>
+          </a:xfrm>
+          <a:prstGeom prst="rect">
+            <a:avLst/>
+          </a:prstGeom>
+        </p:spPr>
+      </p:pic>
     </p:spTree>
     <p:extLst>
       <p:ext uri="{BB962C8B-B14F-4D97-AF65-F5344CB8AC3E}">
@@ -10037,6 +10080,36 @@
           </a:p>
         </p:txBody>
       </p:sp>
+      <p:pic>
+        <p:nvPicPr>
+          <p:cNvPr id="3" name="Picture 2">
+            <a:extLst>
+              <a:ext uri="{FF2B5EF4-FFF2-40B4-BE49-F238E27FC236}">
+                <a16:creationId xmlns:a16="http://schemas.microsoft.com/office/drawing/2014/main" id="{7D09B77D-5FD4-DE32-182A-00CC598268E5}"/>
+              </a:ext>
+            </a:extLst>
+          </p:cNvPr>
+          <p:cNvPicPr>
+            <a:picLocks noChangeAspect="1"/>
+          </p:cNvPicPr>
+          <p:nvPr/>
+        </p:nvPicPr>
+        <p:blipFill>
+          <a:blip r:embed="rId2"/>
+          <a:stretch>
+            <a:fillRect/>
+          </a:stretch>
+        </p:blipFill>
+        <p:spPr>
+          <a:xfrm>
+            <a:off x="1310225" y="87340"/>
+            <a:ext cx="9571549" cy="6683319"/>
+          </a:xfrm>
+          <a:prstGeom prst="rect">
+            <a:avLst/>
+          </a:prstGeom>
+        </p:spPr>
+      </p:pic>
     </p:spTree>
     <p:extLst>
       <p:ext uri="{BB962C8B-B14F-4D97-AF65-F5344CB8AC3E}">
@@ -10103,6 +10176,36 @@
           </a:p>
         </p:txBody>
       </p:sp>
+      <p:pic>
+        <p:nvPicPr>
+          <p:cNvPr id="3" name="Picture 2">
+            <a:extLst>
+              <a:ext uri="{FF2B5EF4-FFF2-40B4-BE49-F238E27FC236}">
+                <a16:creationId xmlns:a16="http://schemas.microsoft.com/office/drawing/2014/main" id="{930F1B32-C72E-2003-633F-23655C9772F0}"/>
+              </a:ext>
+            </a:extLst>
+          </p:cNvPr>
+          <p:cNvPicPr>
+            <a:picLocks noChangeAspect="1"/>
+          </p:cNvPicPr>
+          <p:nvPr/>
+        </p:nvPicPr>
+        <p:blipFill>
+          <a:blip r:embed="rId2"/>
+          <a:stretch>
+            <a:fillRect/>
+          </a:stretch>
+        </p:blipFill>
+        <p:spPr>
+          <a:xfrm>
+            <a:off x="4259421" y="552200"/>
+            <a:ext cx="3673158" cy="5753599"/>
+          </a:xfrm>
+          <a:prstGeom prst="rect">
+            <a:avLst/>
+          </a:prstGeom>
+        </p:spPr>
+      </p:pic>
     </p:spTree>
     <p:extLst>
       <p:ext uri="{BB962C8B-B14F-4D97-AF65-F5344CB8AC3E}">
@@ -10169,6 +10272,36 @@
           </a:p>
         </p:txBody>
       </p:sp>
+      <p:pic>
+        <p:nvPicPr>
+          <p:cNvPr id="3" name="Picture 2">
+            <a:extLst>
+              <a:ext uri="{FF2B5EF4-FFF2-40B4-BE49-F238E27FC236}">
+                <a16:creationId xmlns:a16="http://schemas.microsoft.com/office/drawing/2014/main" id="{4120B314-2ABC-7A20-1BAB-DDC9C84F849A}"/>
+              </a:ext>
+            </a:extLst>
+          </p:cNvPr>
+          <p:cNvPicPr>
+            <a:picLocks noChangeAspect="1"/>
+          </p:cNvPicPr>
+          <p:nvPr/>
+        </p:nvPicPr>
+        <p:blipFill>
+          <a:blip r:embed="rId2"/>
+          <a:stretch>
+            <a:fillRect/>
+          </a:stretch>
+        </p:blipFill>
+        <p:spPr>
+          <a:xfrm>
+            <a:off x="1176863" y="1367611"/>
+            <a:ext cx="9838273" cy="4122777"/>
+          </a:xfrm>
+          <a:prstGeom prst="rect">
+            <a:avLst/>
+          </a:prstGeom>
+        </p:spPr>
+      </p:pic>
     </p:spTree>
     <p:extLst>
       <p:ext uri="{BB962C8B-B14F-4D97-AF65-F5344CB8AC3E}">
@@ -10235,6 +10368,36 @@
           </a:p>
         </p:txBody>
       </p:sp>
+      <p:pic>
+        <p:nvPicPr>
+          <p:cNvPr id="3" name="Picture 2">
+            <a:extLst>
+              <a:ext uri="{FF2B5EF4-FFF2-40B4-BE49-F238E27FC236}">
+                <a16:creationId xmlns:a16="http://schemas.microsoft.com/office/drawing/2014/main" id="{D90EF828-66C2-0DE1-43CA-F42DBDD85782}"/>
+              </a:ext>
+            </a:extLst>
+          </p:cNvPr>
+          <p:cNvPicPr>
+            <a:picLocks noChangeAspect="1"/>
+          </p:cNvPicPr>
+          <p:nvPr/>
+        </p:nvPicPr>
+        <p:blipFill>
+          <a:blip r:embed="rId2"/>
+          <a:stretch>
+            <a:fillRect/>
+          </a:stretch>
+        </p:blipFill>
+        <p:spPr>
+          <a:xfrm>
+            <a:off x="727245" y="1066595"/>
+            <a:ext cx="10737510" cy="4724809"/>
+          </a:xfrm>
+          <a:prstGeom prst="rect">
+            <a:avLst/>
+          </a:prstGeom>
+        </p:spPr>
+      </p:pic>
     </p:spTree>
     <p:extLst>
       <p:ext uri="{BB962C8B-B14F-4D97-AF65-F5344CB8AC3E}">
@@ -10301,6 +10464,36 @@
           </a:p>
         </p:txBody>
       </p:sp>
+      <p:pic>
+        <p:nvPicPr>
+          <p:cNvPr id="3" name="Picture 2">
+            <a:extLst>
+              <a:ext uri="{FF2B5EF4-FFF2-40B4-BE49-F238E27FC236}">
+                <a16:creationId xmlns:a16="http://schemas.microsoft.com/office/drawing/2014/main" id="{05B35F36-CECD-156E-70C6-9EB46FF31087}"/>
+              </a:ext>
+            </a:extLst>
+          </p:cNvPr>
+          <p:cNvPicPr>
+            <a:picLocks noChangeAspect="1"/>
+          </p:cNvPicPr>
+          <p:nvPr/>
+        </p:nvPicPr>
+        <p:blipFill>
+          <a:blip r:embed="rId2"/>
+          <a:stretch>
+            <a:fillRect/>
+          </a:stretch>
+        </p:blipFill>
+        <p:spPr>
+          <a:xfrm>
+            <a:off x="0" y="509654"/>
+            <a:ext cx="12192000" cy="5838691"/>
+          </a:xfrm>
+          <a:prstGeom prst="rect">
+            <a:avLst/>
+          </a:prstGeom>
+        </p:spPr>
+      </p:pic>
     </p:spTree>
     <p:extLst>
       <p:ext uri="{BB962C8B-B14F-4D97-AF65-F5344CB8AC3E}">
@@ -10360,13 +10553,43 @@
           <a:lstStyle/>
           <a:p>
             <a:r>
-              <a:rPr lang="en-US"/>
-              <a:t>.</a:t>
-            </a:r>
-            <a:endParaRPr lang="ru-RU"/>
-          </a:p>
-        </p:txBody>
-      </p:sp>
+              <a:rPr lang="az-Latn-AZ"/>
+              <a:t>İndi kontrolleri silirik...</a:t>
+            </a:r>
+            <a:endParaRPr lang="ru-RU"/>
+          </a:p>
+        </p:txBody>
+      </p:sp>
+      <p:pic>
+        <p:nvPicPr>
+          <p:cNvPr id="3" name="Picture 2">
+            <a:extLst>
+              <a:ext uri="{FF2B5EF4-FFF2-40B4-BE49-F238E27FC236}">
+                <a16:creationId xmlns:a16="http://schemas.microsoft.com/office/drawing/2014/main" id="{D8D9BF18-AC1D-8851-15B9-DE72B9103C3E}"/>
+              </a:ext>
+            </a:extLst>
+          </p:cNvPr>
+          <p:cNvPicPr>
+            <a:picLocks noChangeAspect="1"/>
+          </p:cNvPicPr>
+          <p:nvPr/>
+        </p:nvPicPr>
+        <p:blipFill>
+          <a:blip r:embed="rId2"/>
+          <a:stretch>
+            <a:fillRect/>
+          </a:stretch>
+        </p:blipFill>
+        <p:spPr>
+          <a:xfrm>
+            <a:off x="3775509" y="68289"/>
+            <a:ext cx="4640982" cy="6721422"/>
+          </a:xfrm>
+          <a:prstGeom prst="rect">
+            <a:avLst/>
+          </a:prstGeom>
+        </p:spPr>
+      </p:pic>
     </p:spTree>
     <p:extLst>
       <p:ext uri="{BB962C8B-B14F-4D97-AF65-F5344CB8AC3E}">
@@ -10412,7 +10635,7 @@
         <p:spPr>
           <a:xfrm>
             <a:off x="0" y="0"/>
-            <a:ext cx="12192000" cy="369332"/>
+            <a:ext cx="12192000" cy="1477328"/>
           </a:xfrm>
           <a:prstGeom prst="rect">
             <a:avLst/>
@@ -10426,8 +10649,18 @@
           <a:lstStyle/>
           <a:p>
             <a:r>
-              <a:rPr lang="en-US"/>
-              <a:t>.</a:t>
+              <a:rPr lang="az-Latn-AZ"/>
+              <a:t>Və eyn ikontrolleri təkrar ancaq --api flaqını əlavə edərək yaradırıq.</a:t>
+            </a:r>
+            <a:br>
+              <a:rPr lang="az-Latn-AZ"/>
+            </a:br>
+            <a:br>
+              <a:rPr lang="az-Latn-AZ"/>
+            </a:br>
+            <a:r>
+              <a:rPr lang="az-Latn-AZ"/>
+              <a:t>--api əlavə edildikdə controller yalnız API üçün uyğun metodlarla (index, store, show, update, destroy) yaradılır və create / edit kimi view-ə aid metodlar daxil edilmir. Bu, controller-i daha təmiz, məqsədyönlü və RESTful API standartlarına uyğun edir.</a:t>
             </a:r>
             <a:endParaRPr lang="ru-RU"/>
           </a:p>
